--- a/Spring_Presentation.pptx
+++ b/Spring_Presentation.pptx
@@ -9,14 +9,13 @@
     <p:sldId id="257" r:id="rId3"/>
     <p:sldId id="266" r:id="rId4"/>
     <p:sldId id="267" r:id="rId5"/>
-    <p:sldId id="258" r:id="rId6"/>
-    <p:sldId id="259" r:id="rId7"/>
-    <p:sldId id="260" r:id="rId8"/>
-    <p:sldId id="265" r:id="rId9"/>
-    <p:sldId id="261" r:id="rId10"/>
-    <p:sldId id="262" r:id="rId11"/>
-    <p:sldId id="263" r:id="rId12"/>
-    <p:sldId id="264" r:id="rId13"/>
+    <p:sldId id="268" r:id="rId6"/>
+    <p:sldId id="269" r:id="rId7"/>
+    <p:sldId id="270" r:id="rId8"/>
+    <p:sldId id="271" r:id="rId9"/>
+    <p:sldId id="272" r:id="rId10"/>
+    <p:sldId id="273" r:id="rId11"/>
+    <p:sldId id="274" r:id="rId12"/>
   </p:sldIdLst>
   <p:sldSz cx="12192000" cy="6858000"/>
   <p:notesSz cx="6858000" cy="9144000"/>
@@ -392,7 +391,7 @@
           <a:p>
             <a:fld id="{BC120021-A8C1-48AD-B5B8-AFDA87E1F9F1}" type="datetimeFigureOut">
               <a:rPr lang="en-US" smtClean="0"/>
-              <a:t>3/13/2024</a:t>
+              <a:t>3/16/2024</a:t>
             </a:fld>
             <a:endParaRPr lang="en-US"/>
           </a:p>
@@ -667,7 +666,7 @@
           <a:p>
             <a:fld id="{BC120021-A8C1-48AD-B5B8-AFDA87E1F9F1}" type="datetimeFigureOut">
               <a:rPr lang="en-US" smtClean="0"/>
-              <a:t>3/13/2024</a:t>
+              <a:t>3/16/2024</a:t>
             </a:fld>
             <a:endParaRPr lang="en-US"/>
           </a:p>
@@ -861,7 +860,7 @@
           <a:p>
             <a:fld id="{BC120021-A8C1-48AD-B5B8-AFDA87E1F9F1}" type="datetimeFigureOut">
               <a:rPr lang="en-US" smtClean="0"/>
-              <a:t>3/13/2024</a:t>
+              <a:t>3/16/2024</a:t>
             </a:fld>
             <a:endParaRPr lang="en-US"/>
           </a:p>
@@ -1134,7 +1133,7 @@
           <a:p>
             <a:fld id="{BC120021-A8C1-48AD-B5B8-AFDA87E1F9F1}" type="datetimeFigureOut">
               <a:rPr lang="en-US" smtClean="0"/>
-              <a:t>3/13/2024</a:t>
+              <a:t>3/16/2024</a:t>
             </a:fld>
             <a:endParaRPr lang="en-US"/>
           </a:p>
@@ -1475,7 +1474,7 @@
           <a:p>
             <a:fld id="{BC120021-A8C1-48AD-B5B8-AFDA87E1F9F1}" type="datetimeFigureOut">
               <a:rPr lang="en-US" smtClean="0"/>
-              <a:t>3/13/2024</a:t>
+              <a:t>3/16/2024</a:t>
             </a:fld>
             <a:endParaRPr lang="en-US"/>
           </a:p>
@@ -2098,7 +2097,7 @@
           <a:p>
             <a:fld id="{BC120021-A8C1-48AD-B5B8-AFDA87E1F9F1}" type="datetimeFigureOut">
               <a:rPr lang="en-US" smtClean="0"/>
-              <a:t>3/13/2024</a:t>
+              <a:t>3/16/2024</a:t>
             </a:fld>
             <a:endParaRPr lang="en-US"/>
           </a:p>
@@ -2958,7 +2957,7 @@
           <a:p>
             <a:fld id="{BC120021-A8C1-48AD-B5B8-AFDA87E1F9F1}" type="datetimeFigureOut">
               <a:rPr lang="en-US" smtClean="0"/>
-              <a:t>3/13/2024</a:t>
+              <a:t>3/16/2024</a:t>
             </a:fld>
             <a:endParaRPr lang="en-US"/>
           </a:p>
@@ -3128,7 +3127,7 @@
           <a:p>
             <a:fld id="{BC120021-A8C1-48AD-B5B8-AFDA87E1F9F1}" type="datetimeFigureOut">
               <a:rPr lang="en-US" smtClean="0"/>
-              <a:t>3/13/2024</a:t>
+              <a:t>3/16/2024</a:t>
             </a:fld>
             <a:endParaRPr lang="en-US"/>
           </a:p>
@@ -3308,7 +3307,7 @@
           <a:p>
             <a:fld id="{BC120021-A8C1-48AD-B5B8-AFDA87E1F9F1}" type="datetimeFigureOut">
               <a:rPr lang="en-US" smtClean="0"/>
-              <a:t>3/13/2024</a:t>
+              <a:t>3/16/2024</a:t>
             </a:fld>
             <a:endParaRPr lang="en-US"/>
           </a:p>
@@ -3478,7 +3477,7 @@
           <a:p>
             <a:fld id="{BC120021-A8C1-48AD-B5B8-AFDA87E1F9F1}" type="datetimeFigureOut">
               <a:rPr lang="en-US" smtClean="0"/>
-              <a:t>3/13/2024</a:t>
+              <a:t>3/16/2024</a:t>
             </a:fld>
             <a:endParaRPr lang="en-US"/>
           </a:p>
@@ -3725,7 +3724,7 @@
           <a:p>
             <a:fld id="{BC120021-A8C1-48AD-B5B8-AFDA87E1F9F1}" type="datetimeFigureOut">
               <a:rPr lang="en-US" smtClean="0"/>
-              <a:t>3/13/2024</a:t>
+              <a:t>3/16/2024</a:t>
             </a:fld>
             <a:endParaRPr lang="en-US"/>
           </a:p>
@@ -4017,7 +4016,7 @@
           <a:p>
             <a:fld id="{BC120021-A8C1-48AD-B5B8-AFDA87E1F9F1}" type="datetimeFigureOut">
               <a:rPr lang="en-US" smtClean="0"/>
-              <a:t>3/13/2024</a:t>
+              <a:t>3/16/2024</a:t>
             </a:fld>
             <a:endParaRPr lang="en-US"/>
           </a:p>
@@ -4461,7 +4460,7 @@
           <a:p>
             <a:fld id="{BC120021-A8C1-48AD-B5B8-AFDA87E1F9F1}" type="datetimeFigureOut">
               <a:rPr lang="en-US" smtClean="0"/>
-              <a:t>3/13/2024</a:t>
+              <a:t>3/16/2024</a:t>
             </a:fld>
             <a:endParaRPr lang="en-US"/>
           </a:p>
@@ -4579,7 +4578,7 @@
           <a:p>
             <a:fld id="{BC120021-A8C1-48AD-B5B8-AFDA87E1F9F1}" type="datetimeFigureOut">
               <a:rPr lang="en-US" smtClean="0"/>
-              <a:t>3/13/2024</a:t>
+              <a:t>3/16/2024</a:t>
             </a:fld>
             <a:endParaRPr lang="en-US"/>
           </a:p>
@@ -4674,7 +4673,7 @@
           <a:p>
             <a:fld id="{BC120021-A8C1-48AD-B5B8-AFDA87E1F9F1}" type="datetimeFigureOut">
               <a:rPr lang="en-US" smtClean="0"/>
-              <a:t>3/13/2024</a:t>
+              <a:t>3/16/2024</a:t>
             </a:fld>
             <a:endParaRPr lang="en-US"/>
           </a:p>
@@ -4953,7 +4952,7 @@
           <a:p>
             <a:fld id="{BC120021-A8C1-48AD-B5B8-AFDA87E1F9F1}" type="datetimeFigureOut">
               <a:rPr lang="en-US" smtClean="0"/>
-              <a:t>3/13/2024</a:t>
+              <a:t>3/16/2024</a:t>
             </a:fld>
             <a:endParaRPr lang="en-US"/>
           </a:p>
@@ -5228,7 +5227,7 @@
           <a:p>
             <a:fld id="{BC120021-A8C1-48AD-B5B8-AFDA87E1F9F1}" type="datetimeFigureOut">
               <a:rPr lang="en-US" smtClean="0"/>
-              <a:t>3/13/2024</a:t>
+              <a:t>3/16/2024</a:t>
             </a:fld>
             <a:endParaRPr lang="en-US"/>
           </a:p>
@@ -5657,7 +5656,7 @@
           <a:p>
             <a:fld id="{BC120021-A8C1-48AD-B5B8-AFDA87E1F9F1}" type="datetimeFigureOut">
               <a:rPr lang="en-US" smtClean="0"/>
-              <a:t>3/13/2024</a:t>
+              <a:t>3/16/2024</a:t>
             </a:fld>
             <a:endParaRPr lang="en-US"/>
           </a:p>
@@ -6281,7 +6280,7 @@
           <p:cNvPr id="2" name="Title 1">
             <a:extLst>
               <a:ext uri="{FF2B5EF4-FFF2-40B4-BE49-F238E27FC236}">
-                <a16:creationId xmlns:a16="http://schemas.microsoft.com/office/drawing/2014/main" id="{D45CDEA6-3D05-F598-426E-AF36B6B70818}"/>
+                <a16:creationId xmlns:a16="http://schemas.microsoft.com/office/drawing/2014/main" id="{4F9572DB-7C25-59E9-4B2E-DB7C77A89F68}"/>
               </a:ext>
             </a:extLst>
           </p:cNvPr>
@@ -6300,7 +6299,7 @@
             <a:pPr algn="ctr"/>
             <a:r>
               <a:rPr lang="en-US" dirty="0"/>
-              <a:t>Review of Project Progress</a:t>
+              <a:t>Results</a:t>
             </a:r>
           </a:p>
         </p:txBody>
@@ -6310,7 +6309,7 @@
           <p:cNvPr id="3" name="Content Placeholder 2">
             <a:extLst>
               <a:ext uri="{FF2B5EF4-FFF2-40B4-BE49-F238E27FC236}">
-                <a16:creationId xmlns:a16="http://schemas.microsoft.com/office/drawing/2014/main" id="{A095D055-1837-E46C-8114-B4E4603E12E4}"/>
+                <a16:creationId xmlns:a16="http://schemas.microsoft.com/office/drawing/2014/main" id="{8A7774F6-7A57-EA55-D164-05749FC5FC78}"/>
               </a:ext>
             </a:extLst>
           </p:cNvPr>
@@ -6321,26 +6320,43 @@
             <p:ph idx="1"/>
           </p:nvPr>
         </p:nvSpPr>
-        <p:spPr/>
+        <p:spPr>
+          <a:xfrm>
+            <a:off x="982542" y="1853248"/>
+            <a:ext cx="9533058" cy="4195481"/>
+          </a:xfrm>
+        </p:spPr>
         <p:txBody>
           <a:bodyPr/>
           <a:lstStyle/>
           <a:p>
             <a:r>
               <a:rPr lang="en-US" dirty="0"/>
-              <a:t>Progress on the project has been mainly the administrative tasks that I have been assigned, such as the design diagrams, constraints, etc.</a:t>
+              <a:t>Achieved all milestones</a:t>
             </a:r>
           </a:p>
           <a:p>
             <a:r>
               <a:rPr lang="en-US" dirty="0"/>
-              <a:t>These are required steps in the Senior Design class that I have taken in order to get organized with what I am going to create for my Senior Design project</a:t>
+              <a:t>Currently have a working Correlation Analysis Program</a:t>
             </a:r>
           </a:p>
           <a:p>
             <a:r>
               <a:rPr lang="en-US" dirty="0"/>
-              <a:t>Once I figure a few more things out and get an advisor, walk them through the final decisions that I have to make on exactly what I want to do, I can begin to do more of the project work</a:t>
+              <a:t>Demo will consist of showing the execution of the program live with 3 datasets I have picked</a:t>
+            </a:r>
+          </a:p>
+          <a:p>
+            <a:r>
+              <a:rPr lang="en-US" dirty="0"/>
+              <a:t>There are things that could be added in the future, but with time constraints, this is the place that I have decided to stop at</a:t>
+            </a:r>
+          </a:p>
+          <a:p>
+            <a:r>
+              <a:rPr lang="en-US" dirty="0"/>
+              <a:t>I am happy with how things turned out and believe that my program demonstrates the research and implementation of Computer Science/Statistics</a:t>
             </a:r>
           </a:p>
         </p:txBody>
@@ -6348,7 +6364,7 @@
     </p:spTree>
     <p:extLst>
       <p:ext uri="{BB962C8B-B14F-4D97-AF65-F5344CB8AC3E}">
-        <p14:creationId xmlns:p14="http://schemas.microsoft.com/office/powerpoint/2010/main" val="1433420514"/>
+        <p14:creationId xmlns:p14="http://schemas.microsoft.com/office/powerpoint/2010/main" val="3599289989"/>
       </p:ext>
     </p:extLst>
   </p:cSld>
@@ -6380,7 +6396,7 @@
           <p:cNvPr id="2" name="Title 1">
             <a:extLst>
               <a:ext uri="{FF2B5EF4-FFF2-40B4-BE49-F238E27FC236}">
-                <a16:creationId xmlns:a16="http://schemas.microsoft.com/office/drawing/2014/main" id="{E1AB2FC4-54A9-00BA-CE6A-607E49F55316}"/>
+                <a16:creationId xmlns:a16="http://schemas.microsoft.com/office/drawing/2014/main" id="{D4D3AB75-1F66-068D-CB5D-7702BFE16DDD}"/>
               </a:ext>
             </a:extLst>
           </p:cNvPr>
@@ -6398,8 +6414,8 @@
           <a:p>
             <a:pPr algn="ctr"/>
             <a:r>
-              <a:rPr lang="en-US" sz="3600" dirty="0"/>
-              <a:t>Expectations by End of Term</a:t>
+              <a:rPr lang="en-US" dirty="0"/>
+              <a:t>Challenges</a:t>
             </a:r>
           </a:p>
         </p:txBody>
@@ -6409,7 +6425,7 @@
           <p:cNvPr id="3" name="Content Placeholder 2">
             <a:extLst>
               <a:ext uri="{FF2B5EF4-FFF2-40B4-BE49-F238E27FC236}">
-                <a16:creationId xmlns:a16="http://schemas.microsoft.com/office/drawing/2014/main" id="{C1AF7A01-D4DE-9F91-1180-2184D8018BDE}"/>
+                <a16:creationId xmlns:a16="http://schemas.microsoft.com/office/drawing/2014/main" id="{71197537-5504-54E8-4236-15C731F2284A}"/>
               </a:ext>
             </a:extLst>
           </p:cNvPr>
@@ -6420,26 +6436,53 @@
             <p:ph idx="1"/>
           </p:nvPr>
         </p:nvSpPr>
-        <p:spPr/>
+        <p:spPr>
+          <a:xfrm>
+            <a:off x="814287" y="1512414"/>
+            <a:ext cx="9951479" cy="4353548"/>
+          </a:xfrm>
+        </p:spPr>
         <p:txBody>
           <a:bodyPr/>
           <a:lstStyle/>
           <a:p>
             <a:r>
               <a:rPr lang="en-US" dirty="0"/>
-              <a:t>By the end of the term, I expect to gain more proficiency in analyzing and manipulating data</a:t>
-            </a:r>
-          </a:p>
-          <a:p>
+              <a:t>Project direction changed somewhat sharply right before the end of the Fall Semester</a:t>
+            </a:r>
+          </a:p>
+          <a:p>
+            <a:pPr lvl="1"/>
             <a:r>
               <a:rPr lang="en-US" dirty="0"/>
-              <a:t>Understanding more how to create heatmaps, charts, etc. </a:t>
+              <a:t>My advisor and I believed that this was the correct choice and would lead to a more meaningful project</a:t>
             </a:r>
           </a:p>
           <a:p>
             <a:r>
               <a:rPr lang="en-US" dirty="0"/>
-              <a:t>Turning data into valuable insights for my target audience</a:t>
+              <a:t>Lots of research had to be done on statistics, correlation, etc., since I did not have an extensive background</a:t>
+            </a:r>
+          </a:p>
+          <a:p>
+            <a:pPr lvl="1"/>
+            <a:r>
+              <a:rPr lang="en-US" dirty="0"/>
+              <a:t>I was able to learn a considerable amount from resources around the internet. </a:t>
+            </a:r>
+          </a:p>
+          <a:p>
+            <a:pPr lvl="1"/>
+            <a:r>
+              <a:rPr lang="en-US" dirty="0"/>
+              <a:t>There was a shockingly low number of resources on programs to calculate correlation. I learned there are many formulas for calculating correlation</a:t>
+            </a:r>
+          </a:p>
+          <a:p>
+            <a:pPr lvl="1"/>
+            <a:r>
+              <a:rPr lang="en-US" dirty="0"/>
+              <a:t>I found out that the method and formula used depends on the datatypes of the variables being analyzed</a:t>
             </a:r>
           </a:p>
         </p:txBody>
@@ -6447,115 +6490,7 @@
     </p:spTree>
     <p:extLst>
       <p:ext uri="{BB962C8B-B14F-4D97-AF65-F5344CB8AC3E}">
-        <p14:creationId xmlns:p14="http://schemas.microsoft.com/office/powerpoint/2010/main" val="4042433377"/>
-      </p:ext>
-    </p:extLst>
-  </p:cSld>
-  <p:clrMapOvr>
-    <a:masterClrMapping/>
-  </p:clrMapOvr>
-</p:sld>
-</file>
-
-<file path=ppt/slides/slide12.xml><?xml version="1.0" encoding="utf-8"?>
-<p:sld xmlns:a="http://schemas.openxmlformats.org/drawingml/2006/main" xmlns:r="http://schemas.openxmlformats.org/officeDocument/2006/relationships" xmlns:p="http://schemas.openxmlformats.org/presentationml/2006/main">
-  <p:cSld>
-    <p:spTree>
-      <p:nvGrpSpPr>
-        <p:cNvPr id="1" name=""/>
-        <p:cNvGrpSpPr/>
-        <p:nvPr/>
-      </p:nvGrpSpPr>
-      <p:grpSpPr>
-        <a:xfrm>
-          <a:off x="0" y="0"/>
-          <a:ext cx="0" cy="0"/>
-          <a:chOff x="0" y="0"/>
-          <a:chExt cx="0" cy="0"/>
-        </a:xfrm>
-      </p:grpSpPr>
-      <p:sp>
-        <p:nvSpPr>
-          <p:cNvPr id="2" name="Title 1">
-            <a:extLst>
-              <a:ext uri="{FF2B5EF4-FFF2-40B4-BE49-F238E27FC236}">
-                <a16:creationId xmlns:a16="http://schemas.microsoft.com/office/drawing/2014/main" id="{D612B343-50F8-2D23-9735-0706932F2B44}"/>
-              </a:ext>
-            </a:extLst>
-          </p:cNvPr>
-          <p:cNvSpPr>
-            <a:spLocks noGrp="1"/>
-          </p:cNvSpPr>
-          <p:nvPr>
-            <p:ph type="title"/>
-          </p:nvPr>
-        </p:nvSpPr>
-        <p:spPr/>
-        <p:txBody>
-          <a:bodyPr/>
-          <a:lstStyle/>
-          <a:p>
-            <a:pPr algn="ctr"/>
-            <a:r>
-              <a:rPr lang="en-US" dirty="0"/>
-              <a:t>Expected Demo at Expo</a:t>
-            </a:r>
-          </a:p>
-        </p:txBody>
-      </p:sp>
-      <p:sp>
-        <p:nvSpPr>
-          <p:cNvPr id="3" name="Content Placeholder 2">
-            <a:extLst>
-              <a:ext uri="{FF2B5EF4-FFF2-40B4-BE49-F238E27FC236}">
-                <a16:creationId xmlns:a16="http://schemas.microsoft.com/office/drawing/2014/main" id="{1480A742-E48F-6B30-187C-09C35E64D429}"/>
-              </a:ext>
-            </a:extLst>
-          </p:cNvPr>
-          <p:cNvSpPr>
-            <a:spLocks noGrp="1"/>
-          </p:cNvSpPr>
-          <p:nvPr>
-            <p:ph idx="1"/>
-          </p:nvPr>
-        </p:nvSpPr>
-        <p:spPr/>
-        <p:txBody>
-          <a:bodyPr/>
-          <a:lstStyle/>
-          <a:p>
-            <a:r>
-              <a:rPr lang="en-US" dirty="0"/>
-              <a:t>Showing the observers my project, a very informative and useful heatmap as well as other charts that describe the data clearly</a:t>
-            </a:r>
-          </a:p>
-          <a:p>
-            <a:r>
-              <a:rPr lang="en-US" dirty="0"/>
-              <a:t>Answer any questions that come to their minds about my findings </a:t>
-            </a:r>
-          </a:p>
-          <a:p>
-            <a:r>
-              <a:rPr lang="en-US" dirty="0"/>
-              <a:t>Explain the process and reasoning that I took for going about the project in the way that I did</a:t>
-            </a:r>
-          </a:p>
-          <a:p>
-            <a:r>
-              <a:rPr lang="en-US" dirty="0"/>
-              <a:t>I expect to nail down the idea that anyone should be able to look at my project and gain valuable insights from it</a:t>
-            </a:r>
-          </a:p>
-          <a:p>
-            <a:endParaRPr lang="en-US" dirty="0"/>
-          </a:p>
-        </p:txBody>
-      </p:sp>
-    </p:spTree>
-    <p:extLst>
-      <p:ext uri="{BB962C8B-B14F-4D97-AF65-F5344CB8AC3E}">
-        <p14:creationId xmlns:p14="http://schemas.microsoft.com/office/powerpoint/2010/main" val="1305485841"/>
+        <p14:creationId xmlns:p14="http://schemas.microsoft.com/office/powerpoint/2010/main" val="1720494140"/>
       </p:ext>
     </p:extLst>
   </p:cSld>
@@ -6791,7 +6726,7 @@
           <a:p>
             <a:r>
               <a:rPr lang="en-US" sz="2800" dirty="0"/>
-              <a:t>Automates statistical tests of correlation as well as allows any analyst to find association between all types of variables </a:t>
+              <a:t>Automates statistical tests of correlation as well as allows any analyst to find strength of association between all types of variables </a:t>
             </a:r>
           </a:p>
           <a:p>
@@ -6879,12 +6814,14 @@
         </p:nvSpPr>
         <p:spPr>
           <a:xfrm>
-            <a:off x="438540" y="2192694"/>
-            <a:ext cx="9611314" cy="4055705"/>
+            <a:off x="732817" y="1508192"/>
+            <a:ext cx="10378006" cy="4897090"/>
           </a:xfrm>
         </p:spPr>
         <p:txBody>
-          <a:bodyPr/>
+          <a:bodyPr>
+            <a:normAutofit/>
+          </a:bodyPr>
           <a:lstStyle/>
           <a:p>
             <a:r>
@@ -6895,13 +6832,32 @@
           <a:p>
             <a:r>
               <a:rPr lang="en-US" dirty="0"/>
-              <a:t>Tools do exist (IBM SPSS, minitab) that allow users to run different statistical tests on a given set of data. However, it requires that the user has a </a:t>
-            </a:r>
-            <a:r>
-              <a:rPr lang="en-US"/>
-              <a:t>solid foundation on statistics.</a:t>
-            </a:r>
-            <a:endParaRPr lang="en-US" dirty="0"/>
+              <a:t>Tools do exist (IBM SPSS, minitab) that allow users to run different statistical tests on a given set of data. However, it requires that the user has a solid foundation on statistics.</a:t>
+            </a:r>
+          </a:p>
+          <a:p>
+            <a:r>
+              <a:rPr lang="en-US" dirty="0"/>
+              <a:t>Available tools do not have the ability to do do all these tests automatically</a:t>
+            </a:r>
+          </a:p>
+          <a:p>
+            <a:r>
+              <a:rPr lang="en-US" dirty="0"/>
+              <a:t>Available tools do not have the ability to determine which test should be used based on the datatype of each column. </a:t>
+            </a:r>
+          </a:p>
+          <a:p>
+            <a:r>
+              <a:rPr lang="en-US" dirty="0"/>
+              <a:t>Given the datatype that my program identifies, the correct correlation method is used</a:t>
+            </a:r>
+          </a:p>
+          <a:p>
+            <a:r>
+              <a:rPr lang="en-US" dirty="0"/>
+              <a:t>Some correlation tests only identify if there is correlation and can’t say anything about its strength. My program uses further tests to determine the strength of this correlation, something that I have not seen other programs do</a:t>
+            </a:r>
           </a:p>
         </p:txBody>
       </p:sp>
@@ -6940,7 +6896,7 @@
           <p:cNvPr id="2" name="Title 1">
             <a:extLst>
               <a:ext uri="{FF2B5EF4-FFF2-40B4-BE49-F238E27FC236}">
-                <a16:creationId xmlns:a16="http://schemas.microsoft.com/office/drawing/2014/main" id="{5517C036-284C-D53D-AC61-181803E95963}"/>
+                <a16:creationId xmlns:a16="http://schemas.microsoft.com/office/drawing/2014/main" id="{8723B804-53DF-E938-D274-2375DC992868}"/>
               </a:ext>
             </a:extLst>
           </p:cNvPr>
@@ -6959,7 +6915,7 @@
             <a:pPr algn="ctr"/>
             <a:r>
               <a:rPr lang="en-US" dirty="0"/>
-              <a:t>Project Overview</a:t>
+              <a:t>Broader Impacts</a:t>
             </a:r>
           </a:p>
         </p:txBody>
@@ -6969,7 +6925,7 @@
           <p:cNvPr id="3" name="Content Placeholder 2">
             <a:extLst>
               <a:ext uri="{FF2B5EF4-FFF2-40B4-BE49-F238E27FC236}">
-                <a16:creationId xmlns:a16="http://schemas.microsoft.com/office/drawing/2014/main" id="{8E79CACA-7210-8251-1947-35EFBA00295B}"/>
+                <a16:creationId xmlns:a16="http://schemas.microsoft.com/office/drawing/2014/main" id="{DC82C572-FBAE-7B3C-A7FC-9C943DD14B41}"/>
               </a:ext>
             </a:extLst>
           </p:cNvPr>
@@ -6980,29 +6936,46 @@
             <p:ph idx="1"/>
           </p:nvPr>
         </p:nvSpPr>
-        <p:spPr/>
+        <p:spPr>
+          <a:xfrm>
+            <a:off x="646111" y="1753954"/>
+            <a:ext cx="10327750" cy="4543329"/>
+          </a:xfrm>
+        </p:spPr>
         <p:txBody>
           <a:bodyPr/>
           <a:lstStyle/>
           <a:p>
             <a:r>
-              <a:rPr lang="en-US" b="0" i="0" dirty="0">
-                <a:solidFill>
-                  <a:srgbClr val="E6EDF3"/>
-                </a:solidFill>
-                <a:effectLst/>
-                <a:latin typeface="-apple-system"/>
-              </a:rPr>
-              <a:t>Project Topic Area: Analyzing, visualizing and making predictions on data. Data will be from the publicly available Cincinnati Crime data from the past 10 years. I will clean up this data and put it into a SQL database and table. This data can then be analyzed in different ways to figure out new insights. I will then use the program mapbox to create a heatmap of this data, multiple maps or tables can be made based on needs. I want to ensure that the average observer of this project can see and gain value from what I create. AI/ML is also a consideration to be used on the data in order to make predictions of crimes for example. Mapbox or Google Maps Platform will be used.</a:t>
-            </a:r>
-            <a:endParaRPr lang="en-US" dirty="0"/>
+              <a:rPr lang="en-US" dirty="0"/>
+              <a:t>Correlation is useful because it quantifies the degree to which two variables are related. Understanding correlation helps in predicting one variable from another, identifying trends, and making inferences. </a:t>
+            </a:r>
+          </a:p>
+          <a:p>
+            <a:r>
+              <a:rPr lang="en-US" dirty="0"/>
+              <a:t>Correlation is a fundamental statistical tool that enables data analysts to draw insights from data as well as guide decision-making.</a:t>
+            </a:r>
+          </a:p>
+          <a:p>
+            <a:pPr lvl="1"/>
+            <a:r>
+              <a:rPr lang="en-US" dirty="0"/>
+              <a:t>Examples: Find out which variables impact sales the most, which variables determine to apple quality, which lifestyle factors impact cardiovascular disease, etc.</a:t>
+            </a:r>
+          </a:p>
+          <a:p>
+            <a:r>
+              <a:rPr lang="en-US" dirty="0"/>
+              <a:t>My program allows a user without extensive statistical experience to be able to calculate correlation from the target they want to analyze to their entire .csv file.</a:t>
+            </a:r>
           </a:p>
         </p:txBody>
       </p:sp>
     </p:spTree>
     <p:extLst>
       <p:ext uri="{BB962C8B-B14F-4D97-AF65-F5344CB8AC3E}">
-        <p14:creationId xmlns:p14="http://schemas.microsoft.com/office/powerpoint/2010/main" val="3707587496"/>
+        <p14:creationId xmlns:p14="http://schemas.microsoft.com/office/powerpoint/2010/main" val="2193676336"/>
       </p:ext>
     </p:extLst>
   </p:cSld>
@@ -7034,7 +7007,7 @@
           <p:cNvPr id="2" name="Title 1">
             <a:extLst>
               <a:ext uri="{FF2B5EF4-FFF2-40B4-BE49-F238E27FC236}">
-                <a16:creationId xmlns:a16="http://schemas.microsoft.com/office/drawing/2014/main" id="{1D650C77-CD14-91C4-D1B8-3AA632B90EAA}"/>
+                <a16:creationId xmlns:a16="http://schemas.microsoft.com/office/drawing/2014/main" id="{47B542EB-0598-C67E-EC17-EAB04E810D42}"/>
               </a:ext>
             </a:extLst>
           </p:cNvPr>
@@ -7053,7 +7026,7 @@
             <a:pPr algn="ctr"/>
             <a:r>
               <a:rPr lang="en-US" dirty="0"/>
-              <a:t>User Stories</a:t>
+              <a:t>Design Specifications</a:t>
             </a:r>
           </a:p>
         </p:txBody>
@@ -7063,7 +7036,7 @@
           <p:cNvPr id="3" name="Content Placeholder 2">
             <a:extLst>
               <a:ext uri="{FF2B5EF4-FFF2-40B4-BE49-F238E27FC236}">
-                <a16:creationId xmlns:a16="http://schemas.microsoft.com/office/drawing/2014/main" id="{E04B1A53-503F-E892-32D9-CF09D44E2A5F}"/>
+                <a16:creationId xmlns:a16="http://schemas.microsoft.com/office/drawing/2014/main" id="{9322B195-110B-C2F6-5AFA-9F6CF4272373}"/>
               </a:ext>
             </a:extLst>
           </p:cNvPr>
@@ -7074,107 +7047,54 @@
             <p:ph idx="1"/>
           </p:nvPr>
         </p:nvSpPr>
-        <p:spPr/>
+        <p:spPr>
+          <a:xfrm>
+            <a:off x="875201" y="1621597"/>
+            <a:ext cx="10408150" cy="4477278"/>
+          </a:xfrm>
+        </p:spPr>
         <p:txBody>
           <a:bodyPr/>
           <a:lstStyle/>
           <a:p>
-            <a:pPr marL="0" marR="0">
-              <a:lnSpc>
-                <a:spcPct val="107000"/>
-              </a:lnSpc>
-              <a:spcBef>
-                <a:spcPts val="0"/>
-              </a:spcBef>
-              <a:spcAft>
-                <a:spcPts val="800"/>
-              </a:spcAft>
-            </a:pPr>
-            <a:r>
-              <a:rPr lang="en-US" sz="1800" kern="100" dirty="0">
-                <a:effectLst/>
-                <a:latin typeface="Calibri" panose="020F0502020204030204" pitchFamily="34" charset="0"/>
-                <a:ea typeface="Malgun Gothic" panose="020B0503020000020004" pitchFamily="34" charset="-127"/>
-                <a:cs typeface="Times New Roman" panose="02020603050405020304" pitchFamily="18" charset="0"/>
-              </a:rPr>
-              <a:t>As a concerned citizen, I want to view a map of recent crime incidents in my neighborhood, so that I can stay informed about safety in my area.</a:t>
-            </a:r>
-          </a:p>
-          <a:p>
-            <a:pPr marL="0" marR="0">
-              <a:lnSpc>
-                <a:spcPct val="107000"/>
-              </a:lnSpc>
-              <a:spcBef>
-                <a:spcPts val="0"/>
-              </a:spcBef>
-              <a:spcAft>
-                <a:spcPts val="800"/>
-              </a:spcAft>
-            </a:pPr>
-            <a:r>
-              <a:rPr lang="en-US" sz="1800" kern="100" dirty="0">
-                <a:effectLst/>
-                <a:latin typeface="Calibri" panose="020F0502020204030204" pitchFamily="34" charset="0"/>
-                <a:ea typeface="Malgun Gothic" panose="020B0503020000020004" pitchFamily="34" charset="-127"/>
-                <a:cs typeface="Times New Roman" panose="02020603050405020304" pitchFamily="18" charset="0"/>
-              </a:rPr>
-              <a:t>As a resident of Cincinnati or someone looking to move here, I want to understand the areas of this city that have less occurrences of crime, so that I can make an informed decision on where to move.</a:t>
-            </a:r>
-          </a:p>
-          <a:p>
-            <a:pPr marL="0" marR="0">
-              <a:lnSpc>
-                <a:spcPct val="107000"/>
-              </a:lnSpc>
-              <a:spcBef>
-                <a:spcPts val="0"/>
-              </a:spcBef>
-              <a:spcAft>
-                <a:spcPts val="800"/>
-              </a:spcAft>
-            </a:pPr>
-            <a:r>
-              <a:rPr lang="en-US" sz="1800" kern="100" dirty="0">
-                <a:effectLst/>
-                <a:latin typeface="Calibri" panose="020F0502020204030204" pitchFamily="34" charset="0"/>
-                <a:ea typeface="Malgun Gothic" panose="020B0503020000020004" pitchFamily="34" charset="-127"/>
-                <a:cs typeface="Times New Roman" panose="02020603050405020304" pitchFamily="18" charset="0"/>
-              </a:rPr>
-              <a:t>As a politician or in police leadership, I want to understand where crime usually takes place, so that I can better make laws and distribute resources accordingly to the areas that need it most.</a:t>
-            </a:r>
-          </a:p>
-          <a:p>
-            <a:pPr marL="0" marR="0">
-              <a:lnSpc>
-                <a:spcPct val="107000"/>
-              </a:lnSpc>
-              <a:spcBef>
-                <a:spcPts val="0"/>
-              </a:spcBef>
-              <a:spcAft>
-                <a:spcPts val="800"/>
-              </a:spcAft>
-            </a:pPr>
-            <a:r>
-              <a:rPr lang="en-US" sz="1800" kern="100" dirty="0">
-                <a:effectLst/>
-                <a:latin typeface="Calibri" panose="020F0502020204030204" pitchFamily="34" charset="0"/>
-                <a:ea typeface="Malgun Gothic" panose="020B0503020000020004" pitchFamily="34" charset="-127"/>
-                <a:cs typeface="Times New Roman" panose="02020603050405020304" pitchFamily="18" charset="0"/>
-              </a:rPr>
-              <a:t>As a researcher, I want to extract data on specific crime types over a period of time, so that I can conduct in-depth analysis and contribute to academic studies on crime prevention.</a:t>
+            <a:r>
+              <a:rPr lang="en-US" dirty="0"/>
+              <a:t>Program was created inside of a Jupyter Notebook</a:t>
+            </a:r>
+          </a:p>
+          <a:p>
+            <a:r>
+              <a:rPr lang="en-US" dirty="0"/>
+              <a:t>Input: .csv file</a:t>
+            </a:r>
+          </a:p>
+          <a:p>
+            <a:r>
+              <a:rPr lang="en-US" dirty="0"/>
+              <a:t>Output: Strength of correlation between target and all other columns</a:t>
             </a:r>
           </a:p>
           <a:p>
             <a:endParaRPr lang="en-US" dirty="0"/>
+          </a:p>
+          <a:p>
+            <a:r>
+              <a:rPr lang="en-US" dirty="0"/>
+              <a:t>Takes the .csv file and puts it into a Pandas dataframe. Dataframe automatically determines the datatype of each column. </a:t>
+            </a:r>
+          </a:p>
+          <a:p>
+            <a:r>
+              <a:rPr lang="en-US" dirty="0"/>
+              <a:t>Loop through each column and run one of 4 correlation tests depending on the datatypes of the target vs. column.</a:t>
+            </a:r>
           </a:p>
         </p:txBody>
       </p:sp>
     </p:spTree>
     <p:extLst>
       <p:ext uri="{BB962C8B-B14F-4D97-AF65-F5344CB8AC3E}">
-        <p14:creationId xmlns:p14="http://schemas.microsoft.com/office/powerpoint/2010/main" val="1835846038"/>
+        <p14:creationId xmlns:p14="http://schemas.microsoft.com/office/powerpoint/2010/main" val="766001859"/>
       </p:ext>
     </p:extLst>
   </p:cSld>
@@ -7206,7 +7126,7 @@
           <p:cNvPr id="2" name="Title 1">
             <a:extLst>
               <a:ext uri="{FF2B5EF4-FFF2-40B4-BE49-F238E27FC236}">
-                <a16:creationId xmlns:a16="http://schemas.microsoft.com/office/drawing/2014/main" id="{E5E339B9-3096-6FE4-B753-2F6AC1C901B3}"/>
+                <a16:creationId xmlns:a16="http://schemas.microsoft.com/office/drawing/2014/main" id="{D307C8CD-58A4-3715-F222-029BB2B274C2}"/>
               </a:ext>
             </a:extLst>
           </p:cNvPr>
@@ -7217,7 +7137,12 @@
             <p:ph type="title"/>
           </p:nvPr>
         </p:nvSpPr>
-        <p:spPr/>
+        <p:spPr>
+          <a:xfrm>
+            <a:off x="910035" y="219805"/>
+            <a:ext cx="9404723" cy="1400530"/>
+          </a:xfrm>
+        </p:spPr>
         <p:txBody>
           <a:bodyPr/>
           <a:lstStyle/>
@@ -7225,7 +7150,7 @@
             <a:pPr algn="ctr"/>
             <a:r>
               <a:rPr lang="en-US" dirty="0"/>
-              <a:t>Design Diagrams</a:t>
+              <a:t>Design Specifications</a:t>
             </a:r>
           </a:p>
         </p:txBody>
@@ -7235,7 +7160,7 @@
           <p:cNvPr id="5" name="Content Placeholder 4">
             <a:extLst>
               <a:ext uri="{FF2B5EF4-FFF2-40B4-BE49-F238E27FC236}">
-                <a16:creationId xmlns:a16="http://schemas.microsoft.com/office/drawing/2014/main" id="{22EE637D-A48A-6C18-0BDA-9EFA0FCF5F31}"/>
+                <a16:creationId xmlns:a16="http://schemas.microsoft.com/office/drawing/2014/main" id="{85D46684-A95D-1742-E45C-B604F63AA50F}"/>
               </a:ext>
             </a:extLst>
           </p:cNvPr>
@@ -7254,15 +7179,15 @@
         </p:blipFill>
         <p:spPr>
           <a:xfrm>
-            <a:off x="1933575" y="2469356"/>
-            <a:ext cx="7286625" cy="3362325"/>
+            <a:off x="2058396" y="1192022"/>
+            <a:ext cx="7861980" cy="5527956"/>
           </a:xfrm>
         </p:spPr>
       </p:pic>
     </p:spTree>
     <p:extLst>
       <p:ext uri="{BB962C8B-B14F-4D97-AF65-F5344CB8AC3E}">
-        <p14:creationId xmlns:p14="http://schemas.microsoft.com/office/powerpoint/2010/main" val="3663068213"/>
+        <p14:creationId xmlns:p14="http://schemas.microsoft.com/office/powerpoint/2010/main" val="4137162991"/>
       </p:ext>
     </p:extLst>
   </p:cSld>
@@ -7294,7 +7219,7 @@
           <p:cNvPr id="2" name="Title 1">
             <a:extLst>
               <a:ext uri="{FF2B5EF4-FFF2-40B4-BE49-F238E27FC236}">
-                <a16:creationId xmlns:a16="http://schemas.microsoft.com/office/drawing/2014/main" id="{E5E339B9-3096-6FE4-B753-2F6AC1C901B3}"/>
+                <a16:creationId xmlns:a16="http://schemas.microsoft.com/office/drawing/2014/main" id="{8CEEEEE0-5C0E-8A13-58B8-B6C1202BB230}"/>
               </a:ext>
             </a:extLst>
           </p:cNvPr>
@@ -7313,44 +7238,299 @@
             <a:pPr algn="ctr"/>
             <a:r>
               <a:rPr lang="en-US" dirty="0"/>
-              <a:t>Design Diagrams</a:t>
-            </a:r>
+              <a:t>Technologies</a:t>
+            </a:r>
+          </a:p>
+        </p:txBody>
+      </p:sp>
+      <p:sp>
+        <p:nvSpPr>
+          <p:cNvPr id="3" name="Content Placeholder 2">
+            <a:extLst>
+              <a:ext uri="{FF2B5EF4-FFF2-40B4-BE49-F238E27FC236}">
+                <a16:creationId xmlns:a16="http://schemas.microsoft.com/office/drawing/2014/main" id="{C7203B47-A088-2C4D-1E1C-7B530DC57286}"/>
+              </a:ext>
+            </a:extLst>
+          </p:cNvPr>
+          <p:cNvSpPr>
+            <a:spLocks noGrp="1"/>
+          </p:cNvSpPr>
+          <p:nvPr>
+            <p:ph idx="1"/>
+          </p:nvPr>
+        </p:nvSpPr>
+        <p:spPr>
+          <a:xfrm>
+            <a:off x="1104293" y="1647476"/>
+            <a:ext cx="8946541" cy="4195481"/>
+          </a:xfrm>
+        </p:spPr>
+        <p:txBody>
+          <a:bodyPr/>
+          <a:lstStyle/>
+          <a:p>
+            <a:r>
+              <a:rPr lang="en-US" dirty="0"/>
+              <a:t>Jupyter Notebook </a:t>
+            </a:r>
+          </a:p>
+          <a:p>
+            <a:pPr lvl="1"/>
+            <a:r>
+              <a:rPr lang="en-US" dirty="0"/>
+              <a:t>Python Data Science Workspace</a:t>
+            </a:r>
+          </a:p>
+          <a:p>
+            <a:r>
+              <a:rPr lang="en-US" dirty="0"/>
+              <a:t>Git</a:t>
+            </a:r>
+          </a:p>
+          <a:p>
+            <a:pPr lvl="1"/>
+            <a:r>
+              <a:rPr lang="en-US" dirty="0"/>
+              <a:t>Version Control</a:t>
+            </a:r>
+          </a:p>
+          <a:p>
+            <a:r>
+              <a:rPr lang="en-US" dirty="0"/>
+              <a:t>Data Handling and Analysis Libraries</a:t>
+            </a:r>
+          </a:p>
+          <a:p>
+            <a:pPr lvl="1"/>
+            <a:r>
+              <a:rPr lang="en-US" dirty="0"/>
+              <a:t>NumPy, Pandas Dataframes</a:t>
+            </a:r>
+          </a:p>
+          <a:p>
+            <a:pPr lvl="1"/>
+            <a:r>
+              <a:rPr lang="en-US" dirty="0"/>
+              <a:t>Handling data from the .csv</a:t>
+            </a:r>
+          </a:p>
+          <a:p>
+            <a:r>
+              <a:rPr lang="en-US" dirty="0"/>
+              <a:t>Statistical Analysis Libraries</a:t>
+            </a:r>
+          </a:p>
+          <a:p>
+            <a:pPr lvl="1"/>
+            <a:r>
+              <a:rPr lang="en-US" dirty="0"/>
+              <a:t>SciPy, Statsmodels</a:t>
+            </a:r>
+          </a:p>
+          <a:p>
+            <a:pPr lvl="1"/>
+            <a:r>
+              <a:rPr lang="en-US" dirty="0"/>
+              <a:t>Running the tests for correlation and strength of correlation</a:t>
+            </a:r>
+          </a:p>
+          <a:p>
+            <a:endParaRPr lang="en-US" dirty="0"/>
           </a:p>
         </p:txBody>
       </p:sp>
       <p:pic>
         <p:nvPicPr>
-          <p:cNvPr id="9" name="Content Placeholder 8">
+          <p:cNvPr id="1028" name="Picture 4" descr="Op-Ed: Hackers should use Jupyter Notebook when taking notes | by Aleksey |  The Techlife | Medium">
             <a:extLst>
               <a:ext uri="{FF2B5EF4-FFF2-40B4-BE49-F238E27FC236}">
-                <a16:creationId xmlns:a16="http://schemas.microsoft.com/office/drawing/2014/main" id="{0201D816-5B40-EBD0-4184-2EA583316575}"/>
+                <a16:creationId xmlns:a16="http://schemas.microsoft.com/office/drawing/2014/main" id="{04FF7562-A5E6-FA9C-94B5-00BA05151B2C}"/>
               </a:ext>
             </a:extLst>
           </p:cNvPr>
           <p:cNvPicPr>
-            <a:picLocks noGrp="1" noChangeAspect="1"/>
+            <a:picLocks noChangeAspect="1" noChangeArrowheads="1"/>
           </p:cNvPicPr>
-          <p:nvPr>
-            <p:ph idx="1"/>
-          </p:nvPr>
+          <p:nvPr/>
         </p:nvPicPr>
         <p:blipFill>
-          <a:blip r:embed="rId2"/>
+          <a:blip r:embed="rId2">
+            <a:extLst>
+              <a:ext uri="{28A0092B-C50C-407E-A947-70E740481C1C}">
+                <a14:useLocalDpi xmlns:a14="http://schemas.microsoft.com/office/drawing/2010/main" val="0"/>
+              </a:ext>
+            </a:extLst>
+          </a:blip>
+          <a:srcRect/>
           <a:stretch>
             <a:fillRect/>
           </a:stretch>
         </p:blipFill>
-        <p:spPr>
+        <p:spPr bwMode="auto">
           <a:xfrm>
-            <a:off x="1544128" y="1653238"/>
-            <a:ext cx="7849425" cy="4914340"/>
+            <a:off x="9929837" y="550490"/>
+            <a:ext cx="1524106" cy="1400530"/>
           </a:xfrm>
+          <a:prstGeom prst="rect">
+            <a:avLst/>
+          </a:prstGeom>
+          <a:noFill/>
+          <a:extLst>
+            <a:ext uri="{909E8E84-426E-40DD-AFC4-6F175D3DCCD1}">
+              <a14:hiddenFill xmlns:a14="http://schemas.microsoft.com/office/drawing/2010/main">
+                <a:solidFill>
+                  <a:srgbClr val="FFFFFF"/>
+                </a:solidFill>
+              </a14:hiddenFill>
+            </a:ext>
+          </a:extLst>
+        </p:spPr>
+      </p:pic>
+      <p:pic>
+        <p:nvPicPr>
+          <p:cNvPr id="1030" name="Picture 6" descr="Update now! Two critical flaws in Git's code found, patched">
+            <a:extLst>
+              <a:ext uri="{FF2B5EF4-FFF2-40B4-BE49-F238E27FC236}">
+                <a16:creationId xmlns:a16="http://schemas.microsoft.com/office/drawing/2014/main" id="{D3CEBC63-D817-6C47-86D7-F6C8FD59DA24}"/>
+              </a:ext>
+            </a:extLst>
+          </p:cNvPr>
+          <p:cNvPicPr>
+            <a:picLocks noChangeAspect="1" noChangeArrowheads="1"/>
+          </p:cNvPicPr>
+          <p:nvPr/>
+        </p:nvPicPr>
+        <p:blipFill>
+          <a:blip r:embed="rId3">
+            <a:extLst>
+              <a:ext uri="{28A0092B-C50C-407E-A947-70E740481C1C}">
+                <a14:useLocalDpi xmlns:a14="http://schemas.microsoft.com/office/drawing/2010/main" val="0"/>
+              </a:ext>
+            </a:extLst>
+          </a:blip>
+          <a:srcRect/>
+          <a:stretch>
+            <a:fillRect/>
+          </a:stretch>
+        </p:blipFill>
+        <p:spPr bwMode="auto">
+          <a:xfrm>
+            <a:off x="9865035" y="2206656"/>
+            <a:ext cx="2123552" cy="1191613"/>
+          </a:xfrm>
+          <a:prstGeom prst="rect">
+            <a:avLst/>
+          </a:prstGeom>
+          <a:noFill/>
+          <a:extLst>
+            <a:ext uri="{909E8E84-426E-40DD-AFC4-6F175D3DCCD1}">
+              <a14:hiddenFill xmlns:a14="http://schemas.microsoft.com/office/drawing/2010/main">
+                <a:solidFill>
+                  <a:srgbClr val="FFFFFF"/>
+                </a:solidFill>
+              </a14:hiddenFill>
+            </a:ext>
+          </a:extLst>
+        </p:spPr>
+      </p:pic>
+      <p:pic>
+        <p:nvPicPr>
+          <p:cNvPr id="1034" name="Picture 10" descr="SciPy and NumPy - Full Stack Python">
+            <a:extLst>
+              <a:ext uri="{FF2B5EF4-FFF2-40B4-BE49-F238E27FC236}">
+                <a16:creationId xmlns:a16="http://schemas.microsoft.com/office/drawing/2014/main" id="{58CD3E55-61F3-42EB-0963-4C11CA1DD567}"/>
+              </a:ext>
+            </a:extLst>
+          </p:cNvPr>
+          <p:cNvPicPr>
+            <a:picLocks noChangeAspect="1" noChangeArrowheads="1"/>
+          </p:cNvPicPr>
+          <p:nvPr/>
+        </p:nvPicPr>
+        <p:blipFill>
+          <a:blip r:embed="rId4">
+            <a:extLst>
+              <a:ext uri="{28A0092B-C50C-407E-A947-70E740481C1C}">
+                <a14:useLocalDpi xmlns:a14="http://schemas.microsoft.com/office/drawing/2010/main" val="0"/>
+              </a:ext>
+            </a:extLst>
+          </a:blip>
+          <a:srcRect/>
+          <a:stretch>
+            <a:fillRect/>
+          </a:stretch>
+        </p:blipFill>
+        <p:spPr bwMode="auto">
+          <a:xfrm>
+            <a:off x="9743662" y="5050176"/>
+            <a:ext cx="2017453" cy="801577"/>
+          </a:xfrm>
+          <a:prstGeom prst="rect">
+            <a:avLst/>
+          </a:prstGeom>
+          <a:noFill/>
+          <a:extLst>
+            <a:ext uri="{909E8E84-426E-40DD-AFC4-6F175D3DCCD1}">
+              <a14:hiddenFill xmlns:a14="http://schemas.microsoft.com/office/drawing/2010/main">
+                <a:solidFill>
+                  <a:srgbClr val="FFFFFF"/>
+                </a:solidFill>
+              </a14:hiddenFill>
+            </a:ext>
+          </a:extLst>
+        </p:spPr>
+      </p:pic>
+      <p:pic>
+        <p:nvPicPr>
+          <p:cNvPr id="1036" name="Picture 12" descr="An Introduction to pandas — Python's Data Analysis Library | by Gaurav Garg  | Python in Plain English">
+            <a:extLst>
+              <a:ext uri="{FF2B5EF4-FFF2-40B4-BE49-F238E27FC236}">
+                <a16:creationId xmlns:a16="http://schemas.microsoft.com/office/drawing/2014/main" id="{E77C4F22-05B2-A62B-6BB9-B4A06C78A919}"/>
+              </a:ext>
+            </a:extLst>
+          </p:cNvPr>
+          <p:cNvPicPr>
+            <a:picLocks noChangeAspect="1" noChangeArrowheads="1"/>
+          </p:cNvPicPr>
+          <p:nvPr/>
+        </p:nvPicPr>
+        <p:blipFill>
+          <a:blip r:embed="rId5">
+            <a:extLst>
+              <a:ext uri="{28A0092B-C50C-407E-A947-70E740481C1C}">
+                <a14:useLocalDpi xmlns:a14="http://schemas.microsoft.com/office/drawing/2010/main" val="0"/>
+              </a:ext>
+            </a:extLst>
+          </a:blip>
+          <a:srcRect/>
+          <a:stretch>
+            <a:fillRect/>
+          </a:stretch>
+        </p:blipFill>
+        <p:spPr bwMode="auto">
+          <a:xfrm>
+            <a:off x="9773575" y="3830651"/>
+            <a:ext cx="2215012" cy="926278"/>
+          </a:xfrm>
+          <a:prstGeom prst="rect">
+            <a:avLst/>
+          </a:prstGeom>
+          <a:noFill/>
+          <a:extLst>
+            <a:ext uri="{909E8E84-426E-40DD-AFC4-6F175D3DCCD1}">
+              <a14:hiddenFill xmlns:a14="http://schemas.microsoft.com/office/drawing/2010/main">
+                <a:solidFill>
+                  <a:srgbClr val="FFFFFF"/>
+                </a:solidFill>
+              </a14:hiddenFill>
+            </a:ext>
+          </a:extLst>
         </p:spPr>
       </p:pic>
     </p:spTree>
     <p:extLst>
       <p:ext uri="{BB962C8B-B14F-4D97-AF65-F5344CB8AC3E}">
-        <p14:creationId xmlns:p14="http://schemas.microsoft.com/office/powerpoint/2010/main" val="47446424"/>
+        <p14:creationId xmlns:p14="http://schemas.microsoft.com/office/powerpoint/2010/main" val="761034068"/>
       </p:ext>
     </p:extLst>
   </p:cSld>
@@ -7382,7 +7562,7 @@
           <p:cNvPr id="2" name="Title 1">
             <a:extLst>
               <a:ext uri="{FF2B5EF4-FFF2-40B4-BE49-F238E27FC236}">
-                <a16:creationId xmlns:a16="http://schemas.microsoft.com/office/drawing/2014/main" id="{0FAD7A5C-48A4-EC24-72B0-A2590BB1770D}"/>
+                <a16:creationId xmlns:a16="http://schemas.microsoft.com/office/drawing/2014/main" id="{3D55CB11-959E-5E82-32CF-3CAA362195E4}"/>
               </a:ext>
             </a:extLst>
           </p:cNvPr>
@@ -7401,7 +7581,7 @@
             <a:pPr algn="ctr"/>
             <a:r>
               <a:rPr lang="en-US" dirty="0"/>
-              <a:t>Project Constraints</a:t>
+              <a:t>Milestones</a:t>
             </a:r>
           </a:p>
         </p:txBody>
@@ -7411,7 +7591,7 @@
           <p:cNvPr id="3" name="Content Placeholder 2">
             <a:extLst>
               <a:ext uri="{FF2B5EF4-FFF2-40B4-BE49-F238E27FC236}">
-                <a16:creationId xmlns:a16="http://schemas.microsoft.com/office/drawing/2014/main" id="{16252AA2-F332-CD72-0A5C-C0BD8F256B91}"/>
+                <a16:creationId xmlns:a16="http://schemas.microsoft.com/office/drawing/2014/main" id="{32456C10-2626-7118-25F2-B8DB29F61EFF}"/>
               </a:ext>
             </a:extLst>
           </p:cNvPr>
@@ -7422,174 +7602,71 @@
             <p:ph idx="1"/>
           </p:nvPr>
         </p:nvSpPr>
-        <p:spPr/>
+        <p:spPr>
+          <a:xfrm>
+            <a:off x="875201" y="1690608"/>
+            <a:ext cx="9925071" cy="4244366"/>
+          </a:xfrm>
+        </p:spPr>
         <p:txBody>
           <a:bodyPr>
-            <a:normAutofit fontScale="85000" lnSpcReduction="20000"/>
+            <a:normAutofit/>
           </a:bodyPr>
           <a:lstStyle/>
           <a:p>
-            <a:pPr marL="0" marR="0">
-              <a:lnSpc>
-                <a:spcPct val="107000"/>
-              </a:lnSpc>
-              <a:spcBef>
-                <a:spcPts val="0"/>
-              </a:spcBef>
-              <a:spcAft>
-                <a:spcPts val="800"/>
-              </a:spcAft>
-            </a:pPr>
-            <a:r>
-              <a:rPr lang="en-US" sz="1800" kern="100" dirty="0">
-                <a:effectLst/>
-                <a:latin typeface="Calibri" panose="020F0502020204030204" pitchFamily="34" charset="0"/>
-                <a:ea typeface="Malgun Gothic" panose="020B0503020000020004" pitchFamily="34" charset="-127"/>
-                <a:cs typeface="Times New Roman" panose="02020603050405020304" pitchFamily="18" charset="0"/>
-              </a:rPr>
-              <a:t>Economic constraints will not be a problem because my project will not require any funding and is using online data that is free and provided by the City of Cincinnati. The software that I use will be free, either being mapbox or google mapping for developers. </a:t>
-            </a:r>
-          </a:p>
-          <a:p>
-            <a:pPr marL="0" marR="0" indent="0">
-              <a:lnSpc>
-                <a:spcPct val="107000"/>
-              </a:lnSpc>
-              <a:spcBef>
-                <a:spcPts val="0"/>
-              </a:spcBef>
-              <a:spcAft>
-                <a:spcPts val="800"/>
-              </a:spcAft>
-              <a:buNone/>
-            </a:pPr>
-            <a:r>
-              <a:rPr lang="en-US" sz="1800" kern="100" dirty="0">
-                <a:effectLst/>
-                <a:latin typeface="Calibri" panose="020F0502020204030204" pitchFamily="34" charset="0"/>
-                <a:ea typeface="Malgun Gothic" panose="020B0503020000020004" pitchFamily="34" charset="-127"/>
-                <a:cs typeface="Times New Roman" panose="02020603050405020304" pitchFamily="18" charset="0"/>
-              </a:rPr>
-              <a:t> </a:t>
-            </a:r>
-          </a:p>
-          <a:p>
-            <a:pPr marL="0" marR="0">
-              <a:lnSpc>
-                <a:spcPct val="107000"/>
-              </a:lnSpc>
-              <a:spcBef>
-                <a:spcPts val="0"/>
-              </a:spcBef>
-              <a:spcAft>
-                <a:spcPts val="800"/>
-              </a:spcAft>
-            </a:pPr>
-            <a:r>
-              <a:rPr lang="en-US" sz="1800" kern="100" dirty="0">
-                <a:effectLst/>
-                <a:latin typeface="Calibri" panose="020F0502020204030204" pitchFamily="34" charset="0"/>
-                <a:ea typeface="Malgun Gothic" panose="020B0503020000020004" pitchFamily="34" charset="-127"/>
-                <a:cs typeface="Times New Roman" panose="02020603050405020304" pitchFamily="18" charset="0"/>
-              </a:rPr>
-              <a:t>For public relation, my assignment has an impact on because the audience will be shown analysis of crime data which will likely give them new beliefs or reinforce beliefs that they have about different areas around Cincinnati and their crime reputation, how good the area is, etc. That is part of the point of the project, to change public reputation about certain areas by giving them data that can inform them on each area.</a:t>
-            </a:r>
-          </a:p>
-          <a:p>
-            <a:pPr marL="0" marR="0" indent="0">
-              <a:lnSpc>
-                <a:spcPct val="107000"/>
-              </a:lnSpc>
-              <a:spcBef>
-                <a:spcPts val="0"/>
-              </a:spcBef>
-              <a:spcAft>
-                <a:spcPts val="800"/>
-              </a:spcAft>
-              <a:buNone/>
-            </a:pPr>
-            <a:r>
-              <a:rPr lang="en-US" sz="1800" kern="100" dirty="0">
-                <a:effectLst/>
-                <a:latin typeface="Calibri" panose="020F0502020204030204" pitchFamily="34" charset="0"/>
-                <a:ea typeface="Malgun Gothic" panose="020B0503020000020004" pitchFamily="34" charset="-127"/>
-                <a:cs typeface="Times New Roman" panose="02020603050405020304" pitchFamily="18" charset="0"/>
-              </a:rPr>
-              <a:t> </a:t>
-            </a:r>
-          </a:p>
-          <a:p>
-            <a:pPr marL="0" marR="0">
-              <a:lnSpc>
-                <a:spcPct val="107000"/>
-              </a:lnSpc>
-              <a:spcBef>
-                <a:spcPts val="0"/>
-              </a:spcBef>
-              <a:spcAft>
-                <a:spcPts val="800"/>
-              </a:spcAft>
-            </a:pPr>
-            <a:r>
-              <a:rPr lang="en-US" sz="1800" kern="100" dirty="0">
-                <a:effectLst/>
-                <a:latin typeface="Calibri" panose="020F0502020204030204" pitchFamily="34" charset="0"/>
-                <a:ea typeface="Malgun Gothic" panose="020B0503020000020004" pitchFamily="34" charset="-127"/>
-                <a:cs typeface="Times New Roman" panose="02020603050405020304" pitchFamily="18" charset="0"/>
-              </a:rPr>
-              <a:t>For legal constraints I am pretty sure that the data that I am going to use can be freely used and given by the city of Cincinnati, but I will have to make sure that this is the case.</a:t>
-            </a:r>
-          </a:p>
-          <a:p>
-            <a:pPr marL="0" marR="0">
-              <a:lnSpc>
-                <a:spcPct val="107000"/>
-              </a:lnSpc>
-              <a:spcBef>
-                <a:spcPts val="0"/>
-              </a:spcBef>
-              <a:spcAft>
-                <a:spcPts val="800"/>
-              </a:spcAft>
-            </a:pPr>
-            <a:endParaRPr lang="en-US" sz="1800" kern="100" dirty="0">
-              <a:effectLst/>
-              <a:latin typeface="Calibri" panose="020F0502020204030204" pitchFamily="34" charset="0"/>
-              <a:ea typeface="Malgun Gothic" panose="020B0503020000020004" pitchFamily="34" charset="-127"/>
-              <a:cs typeface="Times New Roman" panose="02020603050405020304" pitchFamily="18" charset="0"/>
-            </a:endParaRPr>
-          </a:p>
-          <a:p>
-            <a:pPr marL="0" marR="0">
-              <a:lnSpc>
-                <a:spcPct val="107000"/>
-              </a:lnSpc>
-              <a:spcBef>
-                <a:spcPts val="0"/>
-              </a:spcBef>
-              <a:spcAft>
-                <a:spcPts val="800"/>
-              </a:spcAft>
-            </a:pPr>
-            <a:r>
-              <a:rPr lang="en-US" sz="1800" kern="100" dirty="0">
-                <a:effectLst/>
-                <a:latin typeface="Calibri" panose="020F0502020204030204" pitchFamily="34" charset="0"/>
-                <a:ea typeface="Malgun Gothic" panose="020B0503020000020004" pitchFamily="34" charset="-127"/>
-                <a:cs typeface="Times New Roman" panose="02020603050405020304" pitchFamily="18" charset="0"/>
-              </a:rPr>
-              <a:t>For ethical constraints with this project, it's crucial to strike the right balance in how we present our findings. I need to ensure that our heatmap provides a clear picture without unintentionally stigmatizing any particular area. Also, we've got to be careful to anonymize specific incidents and personal details to maintain trust and respect for privacy.</a:t>
-            </a:r>
-          </a:p>
-          <a:p>
-            <a:endParaRPr lang="en-US" dirty="0"/>
+            <a:r>
+              <a:rPr lang="en-US" dirty="0"/>
+              <a:t>1/15: Project plan, environment setup, data collection </a:t>
+            </a:r>
+          </a:p>
+          <a:p>
+            <a:r>
+              <a:rPr lang="en-US" dirty="0"/>
+              <a:t>1/22: Initial data analysis report outlining which types of .csv should be used</a:t>
+            </a:r>
+          </a:p>
+          <a:p>
+            <a:r>
+              <a:rPr lang="en-US" dirty="0"/>
+              <a:t>1/30: Research which tests should be used for each correlation datatypes</a:t>
+            </a:r>
+          </a:p>
+          <a:p>
+            <a:r>
+              <a:rPr lang="en-US" dirty="0"/>
+              <a:t>2/15: Prototype for functions for ANOVA, chi-square, and correlation tests integrated into the project.</a:t>
+            </a:r>
+          </a:p>
+          <a:p>
+            <a:r>
+              <a:rPr lang="en-US" dirty="0"/>
+              <a:t>2/25: Initial analysis of correlation results, keep working on tests</a:t>
+            </a:r>
+          </a:p>
+          <a:p>
+            <a:r>
+              <a:rPr lang="en-US" dirty="0"/>
+              <a:t>2/30: Ensure correlation results are correct with IBM SPSS</a:t>
+            </a:r>
+          </a:p>
+          <a:p>
+            <a:r>
+              <a:rPr lang="en-US" dirty="0"/>
+              <a:t>3/25: Complete final presentation, poster, deliverables, etc.</a:t>
+            </a:r>
+          </a:p>
+          <a:p>
+            <a:r>
+              <a:rPr lang="en-US" dirty="0"/>
+              <a:t>4/14: Final project presentation at Expo, collection of feedback, documentation of lessons learned, and discussion of potential future work</a:t>
+            </a:r>
           </a:p>
         </p:txBody>
       </p:sp>
     </p:spTree>
     <p:extLst>
       <p:ext uri="{BB962C8B-B14F-4D97-AF65-F5344CB8AC3E}">
-        <p14:creationId xmlns:p14="http://schemas.microsoft.com/office/powerpoint/2010/main" val="483421972"/>
+        <p14:creationId xmlns:p14="http://schemas.microsoft.com/office/powerpoint/2010/main" val="3395154445"/>
       </p:ext>
     </p:extLst>
   </p:cSld>

--- a/Spring_Presentation.pptx
+++ b/Spring_Presentation.pptx
@@ -391,7 +391,7 @@
           <a:p>
             <a:fld id="{BC120021-A8C1-48AD-B5B8-AFDA87E1F9F1}" type="datetimeFigureOut">
               <a:rPr lang="en-US" smtClean="0"/>
-              <a:t>3/16/2024</a:t>
+              <a:t>3/21/2024</a:t>
             </a:fld>
             <a:endParaRPr lang="en-US"/>
           </a:p>
@@ -666,7 +666,7 @@
           <a:p>
             <a:fld id="{BC120021-A8C1-48AD-B5B8-AFDA87E1F9F1}" type="datetimeFigureOut">
               <a:rPr lang="en-US" smtClean="0"/>
-              <a:t>3/16/2024</a:t>
+              <a:t>3/21/2024</a:t>
             </a:fld>
             <a:endParaRPr lang="en-US"/>
           </a:p>
@@ -860,7 +860,7 @@
           <a:p>
             <a:fld id="{BC120021-A8C1-48AD-B5B8-AFDA87E1F9F1}" type="datetimeFigureOut">
               <a:rPr lang="en-US" smtClean="0"/>
-              <a:t>3/16/2024</a:t>
+              <a:t>3/21/2024</a:t>
             </a:fld>
             <a:endParaRPr lang="en-US"/>
           </a:p>
@@ -1133,7 +1133,7 @@
           <a:p>
             <a:fld id="{BC120021-A8C1-48AD-B5B8-AFDA87E1F9F1}" type="datetimeFigureOut">
               <a:rPr lang="en-US" smtClean="0"/>
-              <a:t>3/16/2024</a:t>
+              <a:t>3/21/2024</a:t>
             </a:fld>
             <a:endParaRPr lang="en-US"/>
           </a:p>
@@ -1474,7 +1474,7 @@
           <a:p>
             <a:fld id="{BC120021-A8C1-48AD-B5B8-AFDA87E1F9F1}" type="datetimeFigureOut">
               <a:rPr lang="en-US" smtClean="0"/>
-              <a:t>3/16/2024</a:t>
+              <a:t>3/21/2024</a:t>
             </a:fld>
             <a:endParaRPr lang="en-US"/>
           </a:p>
@@ -2097,7 +2097,7 @@
           <a:p>
             <a:fld id="{BC120021-A8C1-48AD-B5B8-AFDA87E1F9F1}" type="datetimeFigureOut">
               <a:rPr lang="en-US" smtClean="0"/>
-              <a:t>3/16/2024</a:t>
+              <a:t>3/21/2024</a:t>
             </a:fld>
             <a:endParaRPr lang="en-US"/>
           </a:p>
@@ -2957,7 +2957,7 @@
           <a:p>
             <a:fld id="{BC120021-A8C1-48AD-B5B8-AFDA87E1F9F1}" type="datetimeFigureOut">
               <a:rPr lang="en-US" smtClean="0"/>
-              <a:t>3/16/2024</a:t>
+              <a:t>3/21/2024</a:t>
             </a:fld>
             <a:endParaRPr lang="en-US"/>
           </a:p>
@@ -3127,7 +3127,7 @@
           <a:p>
             <a:fld id="{BC120021-A8C1-48AD-B5B8-AFDA87E1F9F1}" type="datetimeFigureOut">
               <a:rPr lang="en-US" smtClean="0"/>
-              <a:t>3/16/2024</a:t>
+              <a:t>3/21/2024</a:t>
             </a:fld>
             <a:endParaRPr lang="en-US"/>
           </a:p>
@@ -3307,7 +3307,7 @@
           <a:p>
             <a:fld id="{BC120021-A8C1-48AD-B5B8-AFDA87E1F9F1}" type="datetimeFigureOut">
               <a:rPr lang="en-US" smtClean="0"/>
-              <a:t>3/16/2024</a:t>
+              <a:t>3/21/2024</a:t>
             </a:fld>
             <a:endParaRPr lang="en-US"/>
           </a:p>
@@ -3477,7 +3477,7 @@
           <a:p>
             <a:fld id="{BC120021-A8C1-48AD-B5B8-AFDA87E1F9F1}" type="datetimeFigureOut">
               <a:rPr lang="en-US" smtClean="0"/>
-              <a:t>3/16/2024</a:t>
+              <a:t>3/21/2024</a:t>
             </a:fld>
             <a:endParaRPr lang="en-US"/>
           </a:p>
@@ -3724,7 +3724,7 @@
           <a:p>
             <a:fld id="{BC120021-A8C1-48AD-B5B8-AFDA87E1F9F1}" type="datetimeFigureOut">
               <a:rPr lang="en-US" smtClean="0"/>
-              <a:t>3/16/2024</a:t>
+              <a:t>3/21/2024</a:t>
             </a:fld>
             <a:endParaRPr lang="en-US"/>
           </a:p>
@@ -4016,7 +4016,7 @@
           <a:p>
             <a:fld id="{BC120021-A8C1-48AD-B5B8-AFDA87E1F9F1}" type="datetimeFigureOut">
               <a:rPr lang="en-US" smtClean="0"/>
-              <a:t>3/16/2024</a:t>
+              <a:t>3/21/2024</a:t>
             </a:fld>
             <a:endParaRPr lang="en-US"/>
           </a:p>
@@ -4460,7 +4460,7 @@
           <a:p>
             <a:fld id="{BC120021-A8C1-48AD-B5B8-AFDA87E1F9F1}" type="datetimeFigureOut">
               <a:rPr lang="en-US" smtClean="0"/>
-              <a:t>3/16/2024</a:t>
+              <a:t>3/21/2024</a:t>
             </a:fld>
             <a:endParaRPr lang="en-US"/>
           </a:p>
@@ -4578,7 +4578,7 @@
           <a:p>
             <a:fld id="{BC120021-A8C1-48AD-B5B8-AFDA87E1F9F1}" type="datetimeFigureOut">
               <a:rPr lang="en-US" smtClean="0"/>
-              <a:t>3/16/2024</a:t>
+              <a:t>3/21/2024</a:t>
             </a:fld>
             <a:endParaRPr lang="en-US"/>
           </a:p>
@@ -4673,7 +4673,7 @@
           <a:p>
             <a:fld id="{BC120021-A8C1-48AD-B5B8-AFDA87E1F9F1}" type="datetimeFigureOut">
               <a:rPr lang="en-US" smtClean="0"/>
-              <a:t>3/16/2024</a:t>
+              <a:t>3/21/2024</a:t>
             </a:fld>
             <a:endParaRPr lang="en-US"/>
           </a:p>
@@ -4952,7 +4952,7 @@
           <a:p>
             <a:fld id="{BC120021-A8C1-48AD-B5B8-AFDA87E1F9F1}" type="datetimeFigureOut">
               <a:rPr lang="en-US" smtClean="0"/>
-              <a:t>3/16/2024</a:t>
+              <a:t>3/21/2024</a:t>
             </a:fld>
             <a:endParaRPr lang="en-US"/>
           </a:p>
@@ -5227,7 +5227,7 @@
           <a:p>
             <a:fld id="{BC120021-A8C1-48AD-B5B8-AFDA87E1F9F1}" type="datetimeFigureOut">
               <a:rPr lang="en-US" smtClean="0"/>
-              <a:t>3/16/2024</a:t>
+              <a:t>3/21/2024</a:t>
             </a:fld>
             <a:endParaRPr lang="en-US"/>
           </a:p>
@@ -5656,7 +5656,7 @@
           <a:p>
             <a:fld id="{BC120021-A8C1-48AD-B5B8-AFDA87E1F9F1}" type="datetimeFigureOut">
               <a:rPr lang="en-US" smtClean="0"/>
-              <a:t>3/16/2024</a:t>
+              <a:t>3/21/2024</a:t>
             </a:fld>
             <a:endParaRPr lang="en-US"/>
           </a:p>
@@ -6200,14 +6200,19 @@
             <p:ph type="ctrTitle"/>
           </p:nvPr>
         </p:nvSpPr>
-        <p:spPr/>
+        <p:spPr>
+          <a:xfrm>
+            <a:off x="1154954" y="1447800"/>
+            <a:ext cx="8972457" cy="3329581"/>
+          </a:xfrm>
+        </p:spPr>
         <p:txBody>
           <a:bodyPr/>
           <a:lstStyle/>
           <a:p>
             <a:r>
               <a:rPr lang="en-US" dirty="0"/>
-              <a:t>Senior Design Fall Presentation</a:t>
+              <a:t>Senior Design Spring Presentation</a:t>
             </a:r>
           </a:p>
         </p:txBody>
